--- a/2DGP_2nd.pptx
+++ b/2DGP_2nd.pptx
@@ -11994,10 +11994,10 @@
       </p:sp>
       <p:pic>
         <p:nvPicPr>
-          <p:cNvPr id="4" name="그림 3" descr="스크린샷이(가) 표시된 사진&#10;&#10;자동 생성된 설명">
+          <p:cNvPr id="5" name="그림 4" descr="스크린샷, 지도이(가) 표시된 사진&#10;&#10;자동 생성된 설명">
             <a:extLst>
               <a:ext uri="{FF2B5EF4-FFF2-40B4-BE49-F238E27FC236}">
-                <a16:creationId xmlns:a16="http://schemas.microsoft.com/office/drawing/2014/main" id="{CEDC777E-CA30-4F30-915A-FBAFAD92C6A0}"/>
+                <a16:creationId xmlns:a16="http://schemas.microsoft.com/office/drawing/2014/main" id="{8838B1F5-0F61-4EF4-B4EF-F3E943C5414F}"/>
               </a:ext>
             </a:extLst>
           </p:cNvPr>
@@ -12020,8 +12020,8 @@
         </p:blipFill>
         <p:spPr>
           <a:xfrm>
-            <a:off x="728126" y="1176023"/>
-            <a:ext cx="7687748" cy="4505954"/>
+            <a:off x="539552" y="1196751"/>
+            <a:ext cx="8060103" cy="5158147"/>
           </a:xfrm>
           <a:prstGeom prst="rect">
             <a:avLst/>
